--- a/Chapter 9 - Software Evolution.pptx
+++ b/Chapter 9 - Software Evolution.pptx
@@ -267,7 +267,7 @@
           <a:p>
             <a:fld id="{2F6329C5-A603-D44E-9C02-F8582428AA52}" type="datetimeFigureOut">
               <a:rPr lang="en-US" smtClean="0"/>
-              <a:t>11/13/2018</a:t>
+              <a:t>11/27/2018</a:t>
             </a:fld>
             <a:endParaRPr lang="en-US"/>
           </a:p>
@@ -428,7 +428,7 @@
           <a:p>
             <a:fld id="{4AE4A362-3C38-6547-ADB1-7E48AA3F528C}" type="datetimeFigureOut">
               <a:rPr lang="en-US" smtClean="0"/>
-              <a:t>11/13/2018</a:t>
+              <a:t>11/27/2018</a:t>
             </a:fld>
             <a:endParaRPr lang="en-US"/>
           </a:p>
@@ -1242,7 +1242,7 @@
           <a:p>
             <a:fld id="{F07E9141-0958-2645-809D-4516584D2353}" type="datetime1">
               <a:rPr lang="en-US" smtClean="0"/>
-              <a:t>11/13/2018</a:t>
+              <a:t>11/27/2018</a:t>
             </a:fld>
             <a:endParaRPr lang="en-US"/>
           </a:p>
@@ -1432,7 +1432,7 @@
           <a:p>
             <a:fld id="{5F8CAA63-522A-9344-A27A-D9E253A150B9}" type="datetime1">
               <a:rPr lang="en-US" smtClean="0"/>
-              <a:t>11/13/2018</a:t>
+              <a:t>11/27/2018</a:t>
             </a:fld>
             <a:endParaRPr lang="en-US"/>
           </a:p>
@@ -1627,7 +1627,7 @@
           <a:p>
             <a:fld id="{1AA9C3C6-6382-2444-A4AD-693A69510743}" type="datetime1">
               <a:rPr lang="en-US" smtClean="0"/>
-              <a:t>11/13/2018</a:t>
+              <a:t>11/27/2018</a:t>
             </a:fld>
             <a:endParaRPr lang="en-US"/>
           </a:p>
@@ -1879,7 +1879,7 @@
           <a:p>
             <a:fld id="{47A42B61-27DD-EC46-9988-6E40718A2556}" type="datetime1">
               <a:rPr lang="en-US" smtClean="0"/>
-              <a:t>11/13/2018</a:t>
+              <a:t>11/27/2018</a:t>
             </a:fld>
             <a:endParaRPr lang="en-US"/>
           </a:p>
@@ -2140,7 +2140,7 @@
           <a:p>
             <a:fld id="{59F142D6-651E-164D-ADE6-CA03796996A8}" type="datetime1">
               <a:rPr lang="en-US" smtClean="0"/>
-              <a:t>11/13/2018</a:t>
+              <a:t>11/27/2018</a:t>
             </a:fld>
             <a:endParaRPr lang="en-US"/>
           </a:p>
@@ -2446,7 +2446,7 @@
           <a:p>
             <a:fld id="{0718625A-FDF5-C94C-934B-3EDE9C786441}" type="datetime1">
               <a:rPr lang="en-US" smtClean="0"/>
-              <a:t>11/13/2018</a:t>
+              <a:t>11/27/2018</a:t>
             </a:fld>
             <a:endParaRPr lang="en-US"/>
           </a:p>
@@ -2892,7 +2892,7 @@
           <a:p>
             <a:fld id="{B7C014EA-70EC-3745-B11F-EA93F2FD843C}" type="datetime1">
               <a:rPr lang="en-US" smtClean="0"/>
-              <a:t>11/13/2018</a:t>
+              <a:t>11/27/2018</a:t>
             </a:fld>
             <a:endParaRPr lang="en-US"/>
           </a:p>
@@ -3022,7 +3022,7 @@
           <a:p>
             <a:fld id="{CD3BB820-BA91-0444-BB92-17D55688824B}" type="datetime1">
               <a:rPr lang="en-US" smtClean="0"/>
-              <a:t>11/13/2018</a:t>
+              <a:t>11/27/2018</a:t>
             </a:fld>
             <a:endParaRPr lang="en-US"/>
           </a:p>
@@ -3129,7 +3129,7 @@
           <a:p>
             <a:fld id="{C2E80217-B01F-C747-8AAE-6352E8EC1665}" type="datetime1">
               <a:rPr lang="en-US" smtClean="0"/>
-              <a:t>11/13/2018</a:t>
+              <a:t>11/27/2018</a:t>
             </a:fld>
             <a:endParaRPr lang="en-US"/>
           </a:p>
@@ -3424,7 +3424,7 @@
           <a:p>
             <a:fld id="{63975A06-DE78-5644-9A99-0B6765881E85}" type="datetime1">
               <a:rPr lang="en-US" smtClean="0"/>
-              <a:t>11/13/2018</a:t>
+              <a:t>11/27/2018</a:t>
             </a:fld>
             <a:endParaRPr lang="en-US"/>
           </a:p>
@@ -3700,7 +3700,7 @@
           <a:p>
             <a:fld id="{C3AAC28B-E79A-D44E-939C-996D1E4AD7CE}" type="datetime1">
               <a:rPr lang="en-US" smtClean="0"/>
-              <a:t>11/13/2018</a:t>
+              <a:t>11/27/2018</a:t>
             </a:fld>
             <a:endParaRPr lang="en-US"/>
           </a:p>
@@ -3878,7 +3878,7 @@
           <a:p>
             <a:fld id="{6988F6D2-820C-EC43-822F-EC62CE7F40E8}" type="datetime1">
               <a:rPr lang="en-US" smtClean="0"/>
-              <a:t>11/13/2018</a:t>
+              <a:t>11/27/2018</a:t>
             </a:fld>
             <a:endParaRPr lang="en-US"/>
           </a:p>
@@ -4576,6 +4576,13 @@
   <p:clrMapOvr>
     <a:masterClrMapping/>
   </p:clrMapOvr>
+  <p:timing>
+    <p:tnLst>
+      <p:par>
+        <p:cTn id="1" dur="indefinite" restart="never" nodeType="tmRoot"/>
+      </p:par>
+    </p:tnLst>
+  </p:timing>
 </p:sld>
 </file>
 
@@ -4638,7 +4645,7 @@
           </p:nvPr>
         </p:nvPicPr>
         <mc:AlternateContent xmlns:mc="http://schemas.openxmlformats.org/markup-compatibility/2006">
-          <mc:Choice xmlns:ma="http://schemas.microsoft.com/office/mac/drawingml/2008/main" xmlns:mv="urn:schemas-microsoft-com:mac:vml" xmlns="" Requires="ma">
+          <mc:Choice xmlns="" xmlns:mv="urn:schemas-microsoft-com:mac:vml" xmlns:ma="http://schemas.microsoft.com/office/mac/drawingml/2008/main" Requires="ma">
             <p:blipFill>
               <a:blip r:embed="rId2"/>
               <a:srcRect t="-50826" b="-50826"/>
@@ -4804,7 +4811,7 @@
           </p:nvPr>
         </p:nvPicPr>
         <mc:AlternateContent xmlns:mc="http://schemas.openxmlformats.org/markup-compatibility/2006">
-          <mc:Choice xmlns:ma="http://schemas.microsoft.com/office/mac/drawingml/2008/main" xmlns:mv="urn:schemas-microsoft-com:mac:vml" xmlns="" Requires="ma">
+          <mc:Choice xmlns="" xmlns:mv="urn:schemas-microsoft-com:mac:vml" xmlns:ma="http://schemas.microsoft.com/office/mac/drawingml/2008/main" Requires="ma">
             <p:blipFill>
               <a:blip r:embed="rId2"/>
               <a:srcRect t="-116672" b="-116672"/>
@@ -5045,6 +5052,13 @@
   <p:clrMapOvr>
     <a:masterClrMapping/>
   </p:clrMapOvr>
+  <p:timing>
+    <p:tnLst>
+      <p:par>
+        <p:cTn id="1" dur="indefinite" restart="never" nodeType="tmRoot"/>
+      </p:par>
+    </p:tnLst>
+  </p:timing>
 </p:sld>
 </file>
 
@@ -5187,6 +5201,13 @@
   <p:clrMapOvr>
     <a:masterClrMapping/>
   </p:clrMapOvr>
+  <p:timing>
+    <p:tnLst>
+      <p:par>
+        <p:cTn id="1" dur="indefinite" restart="never" nodeType="tmRoot"/>
+      </p:par>
+    </p:tnLst>
+  </p:timing>
 </p:sld>
 </file>
 
@@ -5249,7 +5270,7 @@
           </p:nvPr>
         </p:nvPicPr>
         <mc:AlternateContent xmlns:mc="http://schemas.openxmlformats.org/markup-compatibility/2006">
-          <mc:Choice xmlns:ma="http://schemas.microsoft.com/office/mac/drawingml/2008/main" xmlns:mv="urn:schemas-microsoft-com:mac:vml" xmlns="" Requires="ma">
+          <mc:Choice xmlns="" xmlns:mv="urn:schemas-microsoft-com:mac:vml" xmlns:ma="http://schemas.microsoft.com/office/mac/drawingml/2008/main" Requires="ma">
             <p:blipFill>
               <a:blip r:embed="rId2"/>
               <a:srcRect t="-212562" b="-212562"/>
@@ -5351,6 +5372,13 @@
   <p:clrMapOvr>
     <a:masterClrMapping/>
   </p:clrMapOvr>
+  <p:timing>
+    <p:tnLst>
+      <p:par>
+        <p:cTn id="1" dur="indefinite" restart="never" nodeType="tmRoot"/>
+      </p:par>
+    </p:tnLst>
+  </p:timing>
 </p:sld>
 </file>
 
@@ -5488,6 +5516,13 @@
   <p:clrMapOvr>
     <a:masterClrMapping/>
   </p:clrMapOvr>
+  <p:timing>
+    <p:tnLst>
+      <p:par>
+        <p:cTn id="1" dur="indefinite" restart="never" nodeType="tmRoot"/>
+      </p:par>
+    </p:tnLst>
+  </p:timing>
 </p:sld>
 </file>
 
@@ -5638,6 +5673,13 @@
   <p:clrMapOvr>
     <a:masterClrMapping/>
   </p:clrMapOvr>
+  <p:timing>
+    <p:tnLst>
+      <p:par>
+        <p:cTn id="1" dur="indefinite" restart="never" nodeType="tmRoot"/>
+      </p:par>
+    </p:tnLst>
+  </p:timing>
 </p:sld>
 </file>
 
@@ -5830,6 +5872,13 @@
     <a:masterClrMapping/>
   </p:clrMapOvr>
   <p:transition/>
+  <p:timing>
+    <p:tnLst>
+      <p:par>
+        <p:cTn id="1" dur="indefinite" restart="never" nodeType="tmRoot"/>
+      </p:par>
+    </p:tnLst>
+  </p:timing>
 </p:sld>
 </file>
 
@@ -6019,6 +6068,13 @@
     <a:masterClrMapping/>
   </p:clrMapOvr>
   <p:transition/>
+  <p:timing>
+    <p:tnLst>
+      <p:par>
+        <p:cTn id="1" dur="indefinite" restart="never" nodeType="tmRoot"/>
+      </p:par>
+    </p:tnLst>
+  </p:timing>
 </p:sld>
 </file>
 
@@ -6480,6 +6536,13 @@
   <p:clrMapOvr>
     <a:masterClrMapping/>
   </p:clrMapOvr>
+  <p:timing>
+    <p:tnLst>
+      <p:par>
+        <p:cTn id="1" dur="indefinite" restart="never" nodeType="tmRoot"/>
+      </p:par>
+    </p:tnLst>
+  </p:timing>
 </p:sld>
 </file>
 
@@ -6651,6 +6714,13 @@
   <p:clrMapOvr>
     <a:masterClrMapping/>
   </p:clrMapOvr>
+  <p:timing>
+    <p:tnLst>
+      <p:par>
+        <p:cTn id="1" dur="indefinite" restart="never" nodeType="tmRoot"/>
+      </p:par>
+    </p:tnLst>
+  </p:timing>
 </p:sld>
 </file>
 
@@ -7122,6 +7192,13 @@
   <p:clrMapOvr>
     <a:masterClrMapping/>
   </p:clrMapOvr>
+  <p:timing>
+    <p:tnLst>
+      <p:par>
+        <p:cTn id="1" dur="indefinite" restart="never" nodeType="tmRoot"/>
+      </p:par>
+    </p:tnLst>
+  </p:timing>
 </p:sld>
 </file>
 
@@ -7281,6 +7358,13 @@
   <p:clrMapOvr>
     <a:masterClrMapping/>
   </p:clrMapOvr>
+  <p:timing>
+    <p:tnLst>
+      <p:par>
+        <p:cTn id="1" dur="indefinite" restart="never" nodeType="tmRoot"/>
+      </p:par>
+    </p:tnLst>
+  </p:timing>
 </p:sld>
 </file>
 
@@ -7423,6 +7507,13 @@
   <p:clrMapOvr>
     <a:masterClrMapping/>
   </p:clrMapOvr>
+  <p:timing>
+    <p:tnLst>
+      <p:par>
+        <p:cTn id="1" dur="indefinite" restart="never" nodeType="tmRoot"/>
+      </p:par>
+    </p:tnLst>
+  </p:timing>
 </p:sld>
 </file>
 
@@ -7541,6 +7632,13 @@
   <p:clrMapOvr>
     <a:masterClrMapping/>
   </p:clrMapOvr>
+  <p:timing>
+    <p:tnLst>
+      <p:par>
+        <p:cTn id="1" dur="indefinite" restart="never" nodeType="tmRoot"/>
+      </p:par>
+    </p:tnLst>
+  </p:timing>
 </p:sld>
 </file>
 
@@ -7686,6 +7784,13 @@
     <a:masterClrMapping/>
   </p:clrMapOvr>
   <p:transition/>
+  <p:timing>
+    <p:tnLst>
+      <p:par>
+        <p:cTn id="1" dur="indefinite" restart="never" nodeType="tmRoot"/>
+      </p:par>
+    </p:tnLst>
+  </p:timing>
 </p:sld>
 </file>
 
@@ -7842,6 +7947,13 @@
     <a:masterClrMapping/>
   </p:clrMapOvr>
   <p:transition/>
+  <p:timing>
+    <p:tnLst>
+      <p:par>
+        <p:cTn id="1" dur="indefinite" restart="never" nodeType="tmRoot"/>
+      </p:par>
+    </p:tnLst>
+  </p:timing>
 </p:sld>
 </file>
 
@@ -7916,7 +8028,7 @@
           </p:nvPr>
         </p:nvPicPr>
         <mc:AlternateContent xmlns:mc="http://schemas.openxmlformats.org/markup-compatibility/2006">
-          <mc:Choice xmlns:ma="http://schemas.microsoft.com/office/mac/drawingml/2008/main" xmlns:mv="urn:schemas-microsoft-com:mac:vml" xmlns="" Requires="ma">
+          <mc:Choice xmlns="" xmlns:mv="urn:schemas-microsoft-com:mac:vml" xmlns:ma="http://schemas.microsoft.com/office/mac/drawingml/2008/main" Requires="ma">
             <p:blipFill>
               <a:blip r:embed="rId2"/>
               <a:srcRect l="-40915" r="-40915"/>
@@ -8018,6 +8130,13 @@
   <p:clrMapOvr>
     <a:masterClrMapping/>
   </p:clrMapOvr>
+  <p:timing>
+    <p:tnLst>
+      <p:par>
+        <p:cTn id="1" dur="indefinite" restart="never" nodeType="tmRoot"/>
+      </p:par>
+    </p:tnLst>
+  </p:timing>
 </p:sld>
 </file>
 
@@ -8194,6 +8313,13 @@
     <a:masterClrMapping/>
   </p:clrMapOvr>
   <p:transition/>
+  <p:timing>
+    <p:tnLst>
+      <p:par>
+        <p:cTn id="1" dur="indefinite" restart="never" nodeType="tmRoot"/>
+      </p:par>
+    </p:tnLst>
+  </p:timing>
 </p:sld>
 </file>
 
@@ -8268,7 +8394,7 @@
           </p:nvPr>
         </p:nvPicPr>
         <mc:AlternateContent xmlns:mc="http://schemas.openxmlformats.org/markup-compatibility/2006">
-          <mc:Choice xmlns:ma="http://schemas.microsoft.com/office/mac/drawingml/2008/main" xmlns:mv="urn:schemas-microsoft-com:mac:vml" xmlns="" Requires="ma">
+          <mc:Choice xmlns="" xmlns:mv="urn:schemas-microsoft-com:mac:vml" xmlns:ma="http://schemas.microsoft.com/office/mac/drawingml/2008/main" Requires="ma">
             <p:blipFill>
               <a:blip r:embed="rId2"/>
               <a:srcRect t="-17580" b="-17580"/>
@@ -8370,6 +8496,13 @@
   <p:clrMapOvr>
     <a:masterClrMapping/>
   </p:clrMapOvr>
+  <p:timing>
+    <p:tnLst>
+      <p:par>
+        <p:cTn id="1" dur="indefinite" restart="never" nodeType="tmRoot"/>
+      </p:par>
+    </p:tnLst>
+  </p:timing>
 </p:sld>
 </file>
 
@@ -8579,6 +8712,13 @@
     <a:masterClrMapping/>
   </p:clrMapOvr>
   <p:transition/>
+  <p:timing>
+    <p:tnLst>
+      <p:par>
+        <p:cTn id="1" dur="indefinite" restart="never" nodeType="tmRoot"/>
+      </p:par>
+    </p:tnLst>
+  </p:timing>
 </p:sld>
 </file>
 
@@ -8744,6 +8884,13 @@
   <p:clrMapOvr>
     <a:masterClrMapping/>
   </p:clrMapOvr>
+  <p:timing>
+    <p:tnLst>
+      <p:par>
+        <p:cTn id="1" dur="indefinite" restart="never" nodeType="tmRoot"/>
+      </p:par>
+    </p:tnLst>
+  </p:timing>
 </p:sld>
 </file>
 
@@ -8881,6 +9028,13 @@
   <p:clrMapOvr>
     <a:masterClrMapping/>
   </p:clrMapOvr>
+  <p:timing>
+    <p:tnLst>
+      <p:par>
+        <p:cTn id="1" dur="indefinite" restart="never" nodeType="tmRoot"/>
+      </p:par>
+    </p:tnLst>
+  </p:timing>
 </p:sld>
 </file>
 
@@ -8943,7 +9097,7 @@
           </p:nvPr>
         </p:nvPicPr>
         <mc:AlternateContent xmlns:mc="http://schemas.openxmlformats.org/markup-compatibility/2006">
-          <mc:Choice xmlns:ma="http://schemas.microsoft.com/office/mac/drawingml/2008/main" xmlns:mv="urn:schemas-microsoft-com:mac:vml" xmlns="" Requires="ma">
+          <mc:Choice xmlns="" xmlns:mv="urn:schemas-microsoft-com:mac:vml" xmlns:ma="http://schemas.microsoft.com/office/mac/drawingml/2008/main" Requires="ma">
             <p:blipFill>
               <a:blip r:embed="rId2"/>
               <a:srcRect t="-5549" b="-5549"/>
@@ -9040,6 +9194,13 @@
   <p:clrMapOvr>
     <a:masterClrMapping/>
   </p:clrMapOvr>
+  <p:timing>
+    <p:tnLst>
+      <p:par>
+        <p:cTn id="1" dur="indefinite" restart="never" nodeType="tmRoot"/>
+      </p:par>
+    </p:tnLst>
+  </p:timing>
 </p:sld>
 </file>
 
@@ -9189,6 +9350,13 @@
   <p:clrMapOvr>
     <a:masterClrMapping/>
   </p:clrMapOvr>
+  <p:timing>
+    <p:tnLst>
+      <p:par>
+        <p:cTn id="1" dur="indefinite" restart="never" nodeType="tmRoot"/>
+      </p:par>
+    </p:tnLst>
+  </p:timing>
 </p:sld>
 </file>
 
@@ -9338,6 +9506,13 @@
   <p:clrMapOvr>
     <a:masterClrMapping/>
   </p:clrMapOvr>
+  <p:timing>
+    <p:tnLst>
+      <p:par>
+        <p:cTn id="1" dur="indefinite" restart="never" nodeType="tmRoot"/>
+      </p:par>
+    </p:tnLst>
+  </p:timing>
 </p:sld>
 </file>
 
@@ -9503,6 +9678,13 @@
     <a:masterClrMapping/>
   </p:clrMapOvr>
   <p:transition/>
+  <p:timing>
+    <p:tnLst>
+      <p:par>
+        <p:cTn id="1" dur="indefinite" restart="never" nodeType="tmRoot"/>
+      </p:par>
+    </p:tnLst>
+  </p:timing>
 </p:sld>
 </file>
 
@@ -9669,6 +9851,13 @@
   <p:clrMapOvr>
     <a:masterClrMapping/>
   </p:clrMapOvr>
+  <p:timing>
+    <p:tnLst>
+      <p:par>
+        <p:cTn id="1" dur="indefinite" restart="never" nodeType="tmRoot"/>
+      </p:par>
+    </p:tnLst>
+  </p:timing>
 </p:sld>
 </file>
 
@@ -9808,6 +9997,13 @@
   <p:clrMapOvr>
     <a:masterClrMapping/>
   </p:clrMapOvr>
+  <p:timing>
+    <p:tnLst>
+      <p:par>
+        <p:cTn id="1" dur="indefinite" restart="never" nodeType="tmRoot"/>
+      </p:par>
+    </p:tnLst>
+  </p:timing>
 </p:sld>
 </file>
 
@@ -9870,7 +10066,7 @@
           </p:nvPr>
         </p:nvPicPr>
         <mc:AlternateContent xmlns:mc="http://schemas.openxmlformats.org/markup-compatibility/2006">
-          <mc:Choice xmlns:ma="http://schemas.microsoft.com/office/mac/drawingml/2008/main" xmlns:mv="urn:schemas-microsoft-com:mac:vml" xmlns="" Requires="ma">
+          <mc:Choice xmlns="" xmlns:mv="urn:schemas-microsoft-com:mac:vml" xmlns:ma="http://schemas.microsoft.com/office/mac/drawingml/2008/main" Requires="ma">
             <p:blipFill>
               <a:blip r:embed="rId2"/>
               <a:srcRect t="-12696" b="-12696"/>
@@ -9967,6 +10163,13 @@
   <p:clrMapOvr>
     <a:masterClrMapping/>
   </p:clrMapOvr>
+  <p:timing>
+    <p:tnLst>
+      <p:par>
+        <p:cTn id="1" dur="indefinite" restart="never" nodeType="tmRoot"/>
+      </p:par>
+    </p:tnLst>
+  </p:timing>
 </p:sld>
 </file>
 
@@ -10142,6 +10345,13 @@
   <p:clrMapOvr>
     <a:masterClrMapping/>
   </p:clrMapOvr>
+  <p:timing>
+    <p:tnLst>
+      <p:par>
+        <p:cTn id="1" dur="indefinite" restart="never" nodeType="tmRoot"/>
+      </p:par>
+    </p:tnLst>
+  </p:timing>
 </p:sld>
 </file>
 
@@ -10212,7 +10422,7 @@
           </p:nvPr>
         </p:nvPicPr>
         <mc:AlternateContent xmlns:mc="http://schemas.openxmlformats.org/markup-compatibility/2006">
-          <mc:Choice xmlns:ma="http://schemas.microsoft.com/office/mac/drawingml/2008/main" xmlns:mv="urn:schemas-microsoft-com:mac:vml" xmlns="" Requires="ma">
+          <mc:Choice xmlns="" xmlns:mv="urn:schemas-microsoft-com:mac:vml" xmlns:ma="http://schemas.microsoft.com/office/mac/drawingml/2008/main" Requires="ma">
             <p:blipFill>
               <a:blip r:embed="rId2"/>
               <a:srcRect t="-25178" b="-25178"/>
@@ -10301,7 +10511,7 @@
         </p:blipFill>
         <p:spPr>
           <a:xfrm>
-            <a:off x="-47716" y="2226523"/>
+            <a:off x="-47716" y="2216691"/>
             <a:ext cx="9191716" cy="3507146"/>
           </a:xfrm>
           <a:prstGeom prst="rect">
@@ -10314,6 +10524,13 @@
   <p:clrMapOvr>
     <a:masterClrMapping/>
   </p:clrMapOvr>
+  <p:timing>
+    <p:tnLst>
+      <p:par>
+        <p:cTn id="1" dur="indefinite" restart="never" nodeType="tmRoot"/>
+      </p:par>
+    </p:tnLst>
+  </p:timing>
 </p:sld>
 </file>
 
@@ -10469,6 +10686,13 @@
   <p:clrMapOvr>
     <a:masterClrMapping/>
   </p:clrMapOvr>
+  <p:timing>
+    <p:tnLst>
+      <p:par>
+        <p:cTn id="1" dur="indefinite" restart="never" nodeType="tmRoot"/>
+      </p:par>
+    </p:tnLst>
+  </p:timing>
 </p:sld>
 </file>
 
@@ -10635,6 +10859,13 @@
   <p:clrMapOvr>
     <a:masterClrMapping/>
   </p:clrMapOvr>
+  <p:timing>
+    <p:tnLst>
+      <p:par>
+        <p:cTn id="1" dur="indefinite" restart="never" nodeType="tmRoot"/>
+      </p:par>
+    </p:tnLst>
+  </p:timing>
 </p:sld>
 </file>
 
@@ -10779,6 +11010,13 @@
   <p:clrMapOvr>
     <a:masterClrMapping/>
   </p:clrMapOvr>
+  <p:timing>
+    <p:tnLst>
+      <p:par>
+        <p:cTn id="1" dur="indefinite" restart="never" nodeType="tmRoot"/>
+      </p:par>
+    </p:tnLst>
+  </p:timing>
 </p:sld>
 </file>
 
@@ -10907,6 +11145,13 @@
   <p:clrMapOvr>
     <a:masterClrMapping/>
   </p:clrMapOvr>
+  <p:timing>
+    <p:tnLst>
+      <p:par>
+        <p:cTn id="1" dur="indefinite" restart="never" nodeType="tmRoot"/>
+      </p:par>
+    </p:tnLst>
+  </p:timing>
 </p:sld>
 </file>
 
@@ -11060,6 +11305,13 @@
   <p:clrMapOvr>
     <a:masterClrMapping/>
   </p:clrMapOvr>
+  <p:timing>
+    <p:tnLst>
+      <p:par>
+        <p:cTn id="1" dur="indefinite" restart="never" nodeType="tmRoot"/>
+      </p:par>
+    </p:tnLst>
+  </p:timing>
 </p:sld>
 </file>
 
@@ -11206,6 +11458,13 @@
   <p:clrMapOvr>
     <a:masterClrMapping/>
   </p:clrMapOvr>
+  <p:timing>
+    <p:tnLst>
+      <p:par>
+        <p:cTn id="1" dur="indefinite" restart="never" nodeType="tmRoot"/>
+      </p:par>
+    </p:tnLst>
+  </p:timing>
 </p:sld>
 </file>
 
@@ -11361,6 +11620,13 @@
   <p:clrMapOvr>
     <a:masterClrMapping/>
   </p:clrMapOvr>
+  <p:timing>
+    <p:tnLst>
+      <p:par>
+        <p:cTn id="1" dur="indefinite" restart="never" nodeType="tmRoot"/>
+      </p:par>
+    </p:tnLst>
+  </p:timing>
 </p:sld>
 </file>
 
@@ -11427,7 +11693,7 @@
           </p:nvPr>
         </p:nvPicPr>
         <mc:AlternateContent xmlns:mc="http://schemas.openxmlformats.org/markup-compatibility/2006">
-          <mc:Choice xmlns:ma="http://schemas.microsoft.com/office/mac/drawingml/2008/main" xmlns:mv="urn:schemas-microsoft-com:mac:vml" xmlns="" Requires="ma">
+          <mc:Choice xmlns="" xmlns:mv="urn:schemas-microsoft-com:mac:vml" xmlns:ma="http://schemas.microsoft.com/office/mac/drawingml/2008/main" Requires="ma">
             <p:blipFill>
               <a:blip r:embed="rId2"/>
               <a:srcRect l="-10967" r="-10967"/>
@@ -11529,6 +11795,13 @@
   <p:clrMapOvr>
     <a:masterClrMapping/>
   </p:clrMapOvr>
+  <p:timing>
+    <p:tnLst>
+      <p:par>
+        <p:cTn id="1" dur="indefinite" restart="never" nodeType="tmRoot"/>
+      </p:par>
+    </p:tnLst>
+  </p:timing>
 </p:sld>
 </file>
 
@@ -11691,6 +11964,13 @@
   <p:clrMapOvr>
     <a:masterClrMapping/>
   </p:clrMapOvr>
+  <p:timing>
+    <p:tnLst>
+      <p:par>
+        <p:cTn id="1" dur="indefinite" restart="never" nodeType="tmRoot"/>
+      </p:par>
+    </p:tnLst>
+  </p:timing>
 </p:sld>
 </file>
 
@@ -11848,6 +12128,13 @@
   <p:clrMapOvr>
     <a:masterClrMapping/>
   </p:clrMapOvr>
+  <p:timing>
+    <p:tnLst>
+      <p:par>
+        <p:cTn id="1" dur="indefinite" restart="never" nodeType="tmRoot"/>
+      </p:par>
+    </p:tnLst>
+  </p:timing>
 </p:sld>
 </file>
 
@@ -12023,6 +12310,13 @@
   <p:clrMapOvr>
     <a:masterClrMapping/>
   </p:clrMapOvr>
+  <p:timing>
+    <p:tnLst>
+      <p:par>
+        <p:cTn id="1" dur="indefinite" restart="never" nodeType="tmRoot"/>
+      </p:par>
+    </p:tnLst>
+  </p:timing>
 </p:sld>
 </file>
 
@@ -12085,7 +12379,7 @@
           </p:nvPr>
         </p:nvPicPr>
         <mc:AlternateContent xmlns:mc="http://schemas.openxmlformats.org/markup-compatibility/2006">
-          <mc:Choice xmlns:ma="http://schemas.microsoft.com/office/mac/drawingml/2008/main" xmlns:mv="urn:schemas-microsoft-com:mac:vml" xmlns="" Requires="ma">
+          <mc:Choice xmlns="" xmlns:mv="urn:schemas-microsoft-com:mac:vml" xmlns:ma="http://schemas.microsoft.com/office/mac/drawingml/2008/main" Requires="ma">
             <p:blipFill>
               <a:blip r:embed="rId2"/>
               <a:srcRect l="-7970" r="-7970"/>
@@ -12182,6 +12476,13 @@
   <p:clrMapOvr>
     <a:masterClrMapping/>
   </p:clrMapOvr>
+  <p:timing>
+    <p:tnLst>
+      <p:par>
+        <p:cTn id="1" dur="indefinite" restart="never" nodeType="tmRoot"/>
+      </p:par>
+    </p:tnLst>
+  </p:timing>
 </p:sld>
 </file>
 
@@ -12331,6 +12632,13 @@
   <p:clrMapOvr>
     <a:masterClrMapping/>
   </p:clrMapOvr>
+  <p:timing>
+    <p:tnLst>
+      <p:par>
+        <p:cTn id="1" dur="indefinite" restart="never" nodeType="tmRoot"/>
+      </p:par>
+    </p:tnLst>
+  </p:timing>
 </p:sld>
 </file>
 
@@ -12518,6 +12826,13 @@
   <p:clrMapOvr>
     <a:masterClrMapping/>
   </p:clrMapOvr>
+  <p:timing>
+    <p:tnLst>
+      <p:par>
+        <p:cTn id="1" dur="indefinite" restart="never" nodeType="tmRoot"/>
+      </p:par>
+    </p:tnLst>
+  </p:timing>
 </p:sld>
 </file>
 
@@ -12979,6 +13294,13 @@
   <p:clrMapOvr>
     <a:masterClrMapping/>
   </p:clrMapOvr>
+  <p:timing>
+    <p:tnLst>
+      <p:par>
+        <p:cTn id="1" dur="indefinite" restart="never" nodeType="tmRoot"/>
+      </p:par>
+    </p:tnLst>
+  </p:timing>
 </p:sld>
 </file>
 
@@ -13361,6 +13683,13 @@
   <p:clrMapOvr>
     <a:masterClrMapping/>
   </p:clrMapOvr>
+  <p:timing>
+    <p:tnLst>
+      <p:par>
+        <p:cTn id="1" dur="indefinite" restart="never" nodeType="tmRoot"/>
+      </p:par>
+    </p:tnLst>
+  </p:timing>
 </p:sld>
 </file>
 
@@ -13819,6 +14148,13 @@
   <p:clrMapOvr>
     <a:masterClrMapping/>
   </p:clrMapOvr>
+  <p:timing>
+    <p:tnLst>
+      <p:par>
+        <p:cTn id="1" dur="indefinite" restart="never" nodeType="tmRoot"/>
+      </p:par>
+    </p:tnLst>
+  </p:timing>
 </p:sld>
 </file>
 
@@ -14246,6 +14582,13 @@
   <p:clrMapOvr>
     <a:masterClrMapping/>
   </p:clrMapOvr>
+  <p:timing>
+    <p:tnLst>
+      <p:par>
+        <p:cTn id="1" dur="indefinite" restart="never" nodeType="tmRoot"/>
+      </p:par>
+    </p:tnLst>
+  </p:timing>
 </p:sld>
 </file>
 
@@ -14383,6 +14726,13 @@
   <p:clrMapOvr>
     <a:masterClrMapping/>
   </p:clrMapOvr>
+  <p:timing>
+    <p:tnLst>
+      <p:par>
+        <p:cTn id="1" dur="indefinite" restart="never" nodeType="tmRoot"/>
+      </p:par>
+    </p:tnLst>
+  </p:timing>
 </p:sld>
 </file>
 
@@ -14526,6 +14876,13 @@
   <p:clrMapOvr>
     <a:masterClrMapping/>
   </p:clrMapOvr>
+  <p:timing>
+    <p:tnLst>
+      <p:par>
+        <p:cTn id="1" dur="indefinite" restart="never" nodeType="tmRoot"/>
+      </p:par>
+    </p:tnLst>
+  </p:timing>
 </p:sld>
 </file>
 
@@ -14588,7 +14945,7 @@
           </p:nvPr>
         </p:nvPicPr>
         <mc:AlternateContent xmlns:mc="http://schemas.openxmlformats.org/markup-compatibility/2006">
-          <mc:Choice xmlns:ma="http://schemas.microsoft.com/office/mac/drawingml/2008/main" xmlns:mv="urn:schemas-microsoft-com:mac:vml" xmlns="" Requires="ma">
+          <mc:Choice xmlns="" xmlns:mv="urn:schemas-microsoft-com:mac:vml" xmlns:ma="http://schemas.microsoft.com/office/mac/drawingml/2008/main" Requires="ma">
             <p:blipFill>
               <a:blip r:embed="rId2"/>
               <a:srcRect t="-123809" b="-123809"/>
@@ -14690,6 +15047,13 @@
   <p:clrMapOvr>
     <a:masterClrMapping/>
   </p:clrMapOvr>
+  <p:timing>
+    <p:tnLst>
+      <p:par>
+        <p:cTn id="1" dur="indefinite" restart="never" nodeType="tmRoot"/>
+      </p:par>
+    </p:tnLst>
+  </p:timing>
 </p:sld>
 </file>
 
@@ -14841,6 +15205,13 @@
   <p:clrMapOvr>
     <a:masterClrMapping/>
   </p:clrMapOvr>
+  <p:timing>
+    <p:tnLst>
+      <p:par>
+        <p:cTn id="1" dur="indefinite" restart="never" nodeType="tmRoot"/>
+      </p:par>
+    </p:tnLst>
+  </p:timing>
 </p:sld>
 </file>
 
@@ -15017,6 +15388,13 @@
   <p:clrMapOvr>
     <a:masterClrMapping/>
   </p:clrMapOvr>
+  <p:timing>
+    <p:tnLst>
+      <p:par>
+        <p:cTn id="1" dur="indefinite" restart="never" nodeType="tmRoot"/>
+      </p:par>
+    </p:tnLst>
+  </p:timing>
 </p:sld>
 </file>
 
@@ -15079,7 +15457,7 @@
           </p:nvPr>
         </p:nvPicPr>
         <mc:AlternateContent xmlns:mc="http://schemas.openxmlformats.org/markup-compatibility/2006">
-          <mc:Choice xmlns:ma="http://schemas.microsoft.com/office/mac/drawingml/2008/main" xmlns:mv="urn:schemas-microsoft-com:mac:vml" xmlns="" Requires="ma">
+          <mc:Choice xmlns="" xmlns:mv="urn:schemas-microsoft-com:mac:vml" xmlns:ma="http://schemas.microsoft.com/office/mac/drawingml/2008/main" Requires="ma">
             <p:blipFill>
               <a:blip r:embed="rId2"/>
               <a:srcRect l="-7888" r="-7888"/>
